--- a/g2-ufcd10789.pptx
+++ b/g2-ufcd10789.pptx
@@ -25,7 +25,9 @@
     <p:sldId id="273" r:id="rId19"/>
     <p:sldId id="274" r:id="rId20"/>
     <p:sldId id="275" r:id="rId21"/>
-    <p:sldId id="276" r:id="rId22"/>
+    <p:sldId id="277" r:id="rId22"/>
+    <p:sldId id="278" r:id="rId23"/>
+    <p:sldId id="279" r:id="rId24"/>
   </p:sldIdLst>
   <p:sldSz cx="12192000" cy="6858000"/>
   <p:notesSz cx="6858000" cy="9144000"/>
@@ -124,6 +126,11 @@
       </a:defRPr>
     </a:lvl9pPr>
   </p:defaultTextStyle>
+  <p:extLst>
+    <p:ext uri="{EFAFB233-063F-42B5-8137-9DF3F51BA10A}">
+      <p15:sldGuideLst xmlns:p15="http://schemas.microsoft.com/office/powerpoint/2012/main"/>
+    </p:ext>
+  </p:extLst>
 </p:presentation>
 </file>
 
@@ -4483,35 +4490,207 @@
           </a:p>
         </p:txBody>
       </p:sp>
-      <p:sp>
-        <p:nvSpPr>
-          <p:cNvPr id="3" name="Marcador de Posição de Conteúdo 2">
-            <a:extLst>
-              <a:ext uri="{FF2B5EF4-FFF2-40B4-BE49-F238E27FC236}">
-                <a16:creationId xmlns:a16="http://schemas.microsoft.com/office/drawing/2014/main" id="{EB471167-6B40-6E6A-F2FD-CFBEB21559C0}"/>
-              </a:ext>
-            </a:extLst>
-          </p:cNvPr>
-          <p:cNvSpPr>
-            <a:spLocks noGrp="1"/>
-          </p:cNvSpPr>
+      <p:pic>
+        <p:nvPicPr>
+          <p:cNvPr id="5" name="Marcador de Posição de Conteúdo 4">
+            <a:extLst>
+              <a:ext uri="{FF2B5EF4-FFF2-40B4-BE49-F238E27FC236}">
+                <a16:creationId xmlns:a16="http://schemas.microsoft.com/office/drawing/2014/main" id="{848DF49C-4716-D653-D4AE-B216965FEEA6}"/>
+              </a:ext>
+            </a:extLst>
+          </p:cNvPr>
+          <p:cNvPicPr>
+            <a:picLocks noGrp="1" noChangeAspect="1"/>
+          </p:cNvPicPr>
           <p:nvPr>
             <p:ph idx="1"/>
           </p:nvPr>
-        </p:nvSpPr>
-        <p:spPr/>
-        <p:txBody>
-          <a:bodyPr/>
-          <a:lstStyle/>
-          <a:p>
-            <a:endParaRPr lang="pt-PT"/>
-          </a:p>
-        </p:txBody>
-      </p:sp>
+        </p:nvPicPr>
+        <p:blipFill>
+          <a:blip r:embed="rId2"/>
+          <a:stretch>
+            <a:fillRect/>
+          </a:stretch>
+        </p:blipFill>
+        <p:spPr>
+          <a:xfrm>
+            <a:off x="4338956" y="1825625"/>
+            <a:ext cx="3514088" cy="4351338"/>
+          </a:xfrm>
+        </p:spPr>
+      </p:pic>
     </p:spTree>
     <p:extLst>
       <p:ext uri="{BB962C8B-B14F-4D97-AF65-F5344CB8AC3E}">
-        <p14:creationId xmlns:p14="http://schemas.microsoft.com/office/powerpoint/2010/main" val="1648962867"/>
+        <p14:creationId xmlns:p14="http://schemas.microsoft.com/office/powerpoint/2010/main" val="2053136300"/>
+      </p:ext>
+    </p:extLst>
+  </p:cSld>
+  <p:clrMapOvr>
+    <a:masterClrMapping/>
+  </p:clrMapOvr>
+</p:sld>
+</file>
+
+<file path=ppt/slides/slide22.xml><?xml version="1.0" encoding="utf-8"?>
+<p:sld xmlns:a="http://schemas.openxmlformats.org/drawingml/2006/main" xmlns:r="http://schemas.openxmlformats.org/officeDocument/2006/relationships" xmlns:p="http://schemas.openxmlformats.org/presentationml/2006/main">
+  <p:cSld>
+    <p:spTree>
+      <p:nvGrpSpPr>
+        <p:cNvPr id="1" name=""/>
+        <p:cNvGrpSpPr/>
+        <p:nvPr/>
+      </p:nvGrpSpPr>
+      <p:grpSpPr>
+        <a:xfrm>
+          <a:off x="0" y="0"/>
+          <a:ext cx="0" cy="0"/>
+          <a:chOff x="0" y="0"/>
+          <a:chExt cx="0" cy="0"/>
+        </a:xfrm>
+      </p:grpSpPr>
+      <p:sp>
+        <p:nvSpPr>
+          <p:cNvPr id="2" name="Título 1">
+            <a:extLst>
+              <a:ext uri="{FF2B5EF4-FFF2-40B4-BE49-F238E27FC236}">
+                <a16:creationId xmlns:a16="http://schemas.microsoft.com/office/drawing/2014/main" id="{6E9FB16D-B6CD-DDF9-BC70-CAFCA0CF56AA}"/>
+              </a:ext>
+            </a:extLst>
+          </p:cNvPr>
+          <p:cNvSpPr>
+            <a:spLocks noGrp="1"/>
+          </p:cNvSpPr>
+          <p:nvPr>
+            <p:ph type="title"/>
+          </p:nvPr>
+        </p:nvSpPr>
+        <p:spPr/>
+        <p:txBody>
+          <a:bodyPr/>
+          <a:lstStyle/>
+          <a:p>
+            <a:endParaRPr lang="pt-PT"/>
+          </a:p>
+        </p:txBody>
+      </p:sp>
+      <p:pic>
+        <p:nvPicPr>
+          <p:cNvPr id="7" name="Marcador de Posição de Conteúdo 6">
+            <a:extLst>
+              <a:ext uri="{FF2B5EF4-FFF2-40B4-BE49-F238E27FC236}">
+                <a16:creationId xmlns:a16="http://schemas.microsoft.com/office/drawing/2014/main" id="{32D1C4FE-61B2-9214-A57B-062B756A7F0F}"/>
+              </a:ext>
+            </a:extLst>
+          </p:cNvPr>
+          <p:cNvPicPr>
+            <a:picLocks noGrp="1" noChangeAspect="1"/>
+          </p:cNvPicPr>
+          <p:nvPr>
+            <p:ph idx="1"/>
+          </p:nvPr>
+        </p:nvPicPr>
+        <p:blipFill>
+          <a:blip r:embed="rId2"/>
+          <a:stretch>
+            <a:fillRect/>
+          </a:stretch>
+        </p:blipFill>
+        <p:spPr>
+          <a:xfrm>
+            <a:off x="2056073" y="1825625"/>
+            <a:ext cx="8079853" cy="4351338"/>
+          </a:xfrm>
+        </p:spPr>
+      </p:pic>
+    </p:spTree>
+    <p:extLst>
+      <p:ext uri="{BB962C8B-B14F-4D97-AF65-F5344CB8AC3E}">
+        <p14:creationId xmlns:p14="http://schemas.microsoft.com/office/powerpoint/2010/main" val="2604262976"/>
+      </p:ext>
+    </p:extLst>
+  </p:cSld>
+  <p:clrMapOvr>
+    <a:masterClrMapping/>
+  </p:clrMapOvr>
+</p:sld>
+</file>
+
+<file path=ppt/slides/slide23.xml><?xml version="1.0" encoding="utf-8"?>
+<p:sld xmlns:a="http://schemas.openxmlformats.org/drawingml/2006/main" xmlns:r="http://schemas.openxmlformats.org/officeDocument/2006/relationships" xmlns:p="http://schemas.openxmlformats.org/presentationml/2006/main">
+  <p:cSld>
+    <p:spTree>
+      <p:nvGrpSpPr>
+        <p:cNvPr id="1" name=""/>
+        <p:cNvGrpSpPr/>
+        <p:nvPr/>
+      </p:nvGrpSpPr>
+      <p:grpSpPr>
+        <a:xfrm>
+          <a:off x="0" y="0"/>
+          <a:ext cx="0" cy="0"/>
+          <a:chOff x="0" y="0"/>
+          <a:chExt cx="0" cy="0"/>
+        </a:xfrm>
+      </p:grpSpPr>
+      <p:sp>
+        <p:nvSpPr>
+          <p:cNvPr id="2" name="Título 1">
+            <a:extLst>
+              <a:ext uri="{FF2B5EF4-FFF2-40B4-BE49-F238E27FC236}">
+                <a16:creationId xmlns:a16="http://schemas.microsoft.com/office/drawing/2014/main" id="{42A803C8-415E-33FE-5A73-FF54D6319BBE}"/>
+              </a:ext>
+            </a:extLst>
+          </p:cNvPr>
+          <p:cNvSpPr>
+            <a:spLocks noGrp="1"/>
+          </p:cNvSpPr>
+          <p:nvPr>
+            <p:ph type="title"/>
+          </p:nvPr>
+        </p:nvSpPr>
+        <p:spPr/>
+        <p:txBody>
+          <a:bodyPr/>
+          <a:lstStyle/>
+          <a:p>
+            <a:endParaRPr lang="pt-PT"/>
+          </a:p>
+        </p:txBody>
+      </p:sp>
+      <p:pic>
+        <p:nvPicPr>
+          <p:cNvPr id="5" name="Marcador de Posição de Conteúdo 4">
+            <a:extLst>
+              <a:ext uri="{FF2B5EF4-FFF2-40B4-BE49-F238E27FC236}">
+                <a16:creationId xmlns:a16="http://schemas.microsoft.com/office/drawing/2014/main" id="{652931FC-0C5A-5908-B5E5-01003D244202}"/>
+              </a:ext>
+            </a:extLst>
+          </p:cNvPr>
+          <p:cNvPicPr>
+            <a:picLocks noGrp="1" noChangeAspect="1"/>
+          </p:cNvPicPr>
+          <p:nvPr>
+            <p:ph idx="1"/>
+          </p:nvPr>
+        </p:nvPicPr>
+        <p:blipFill>
+          <a:blip r:embed="rId2"/>
+          <a:stretch>
+            <a:fillRect/>
+          </a:stretch>
+        </p:blipFill>
+        <p:spPr>
+          <a:xfrm>
+            <a:off x="2056073" y="1825625"/>
+            <a:ext cx="8079853" cy="4351338"/>
+          </a:xfrm>
+        </p:spPr>
+      </p:pic>
+    </p:spTree>
+    <p:extLst>
+      <p:ext uri="{BB962C8B-B14F-4D97-AF65-F5344CB8AC3E}">
+        <p14:creationId xmlns:p14="http://schemas.microsoft.com/office/powerpoint/2010/main" val="3198084829"/>
       </p:ext>
     </p:extLst>
   </p:cSld>

--- a/g2-ufcd10789.pptx
+++ b/g2-ufcd10789.pptx
@@ -124,6 +124,11 @@
       </a:defRPr>
     </a:lvl9pPr>
   </p:defaultTextStyle>
+  <p:extLst>
+    <p:ext uri="{EFAFB233-063F-42B5-8137-9DF3F51BA10A}">
+      <p15:sldGuideLst xmlns:p15="http://schemas.microsoft.com/office/powerpoint/2012/main"/>
+    </p:ext>
+  </p:extLst>
 </p:presentation>
 </file>
 
@@ -3362,7 +3367,10 @@
           <a:bodyPr/>
           <a:lstStyle/>
           <a:p>
-            <a:endParaRPr lang="pt-PT"/>
+            <a:r>
+              <a:rPr lang="pt-PT" dirty="0"/>
+              <a:t>Relatório trabalho de grupo</a:t>
+            </a:r>
           </a:p>
         </p:txBody>
       </p:sp>
